--- a/src/main/resources/刘宾楚_15295668827_Java开发工程师_10月11日.pptx
+++ b/src/main/resources/刘宾楚_15295668827_Java开发工程师_10月11日.pptx
@@ -5,17 +5,18 @@
     <p:sldMasterId id="2147483743" r:id="rId1"/>
   </p:sldMasterIdLst>
   <p:notesMasterIdLst>
-    <p:notesMasterId r:id="rId7"/>
+    <p:notesMasterId r:id="rId8"/>
   </p:notesMasterIdLst>
   <p:handoutMasterIdLst>
-    <p:handoutMasterId r:id="rId8"/>
+    <p:handoutMasterId r:id="rId9"/>
   </p:handoutMasterIdLst>
   <p:sldIdLst>
     <p:sldId id="257" r:id="rId2"/>
     <p:sldId id="262" r:id="rId3"/>
     <p:sldId id="263" r:id="rId4"/>
     <p:sldId id="264" r:id="rId5"/>
-    <p:sldId id="261" r:id="rId6"/>
+    <p:sldId id="265" r:id="rId6"/>
+    <p:sldId id="261" r:id="rId7"/>
   </p:sldIdLst>
   <p:sldSz cx="12192000" cy="6858000"/>
   <p:notesSz cx="6858000" cy="9144000"/>
@@ -123,6 +124,7 @@
             <p14:sldId id="262"/>
             <p14:sldId id="263"/>
             <p14:sldId id="264"/>
+            <p14:sldId id="265"/>
             <p14:sldId id="261"/>
           </p14:sldIdLst>
         </p14:section>
@@ -1475,7 +1477,7 @@
           <a:p>
             <a:fld id="{E652F4FD-F37B-824F-9065-E749C04D288E}" type="slidenum">
               <a:rPr lang="en-US" smtClean="0"/>
-              <a:t>5</a:t>
+              <a:t>6</a:t>
             </a:fld>
             <a:endParaRPr lang="en-US"/>
           </a:p>
@@ -9239,6 +9241,120 @@
           <a:chExt cx="0" cy="0"/>
         </a:xfrm>
       </p:grpSpPr>
+      <p:sp>
+        <p:nvSpPr>
+          <p:cNvPr id="2" name="标题 1">
+            <a:extLst>
+              <a:ext uri="{FF2B5EF4-FFF2-40B4-BE49-F238E27FC236}">
+                <a16:creationId xmlns:a16="http://schemas.microsoft.com/office/drawing/2014/main" id="{7A49043B-E581-4B47-8108-C4E3D18DC136}"/>
+              </a:ext>
+            </a:extLst>
+          </p:cNvPr>
+          <p:cNvSpPr>
+            <a:spLocks noGrp="1"/>
+          </p:cNvSpPr>
+          <p:nvPr>
+            <p:ph type="title"/>
+          </p:nvPr>
+        </p:nvSpPr>
+        <p:spPr/>
+        <p:txBody>
+          <a:bodyPr/>
+          <a:lstStyle/>
+          <a:p>
+            <a:r>
+              <a:rPr lang="zh-CN" altLang="en-US" dirty="0"/>
+              <a:t>文档展示</a:t>
+            </a:r>
+            <a:endParaRPr lang="en-GB" dirty="0"/>
+          </a:p>
+        </p:txBody>
+      </p:sp>
+      <p:sp>
+        <p:nvSpPr>
+          <p:cNvPr id="3" name="文本占位符 2">
+            <a:extLst>
+              <a:ext uri="{FF2B5EF4-FFF2-40B4-BE49-F238E27FC236}">
+                <a16:creationId xmlns:a16="http://schemas.microsoft.com/office/drawing/2014/main" id="{A90AE296-3A90-44D5-8B2D-3D92103C33A6}"/>
+              </a:ext>
+            </a:extLst>
+          </p:cNvPr>
+          <p:cNvSpPr>
+            <a:spLocks noGrp="1"/>
+          </p:cNvSpPr>
+          <p:nvPr>
+            <p:ph type="body" sz="quarter" idx="10"/>
+          </p:nvPr>
+        </p:nvSpPr>
+        <p:spPr/>
+        <p:txBody>
+          <a:bodyPr/>
+          <a:lstStyle/>
+          <a:p>
+            <a:endParaRPr lang="en-GB"/>
+          </a:p>
+        </p:txBody>
+      </p:sp>
+      <p:pic>
+        <p:nvPicPr>
+          <p:cNvPr id="4" name="图片 3">
+            <a:extLst>
+              <a:ext uri="{FF2B5EF4-FFF2-40B4-BE49-F238E27FC236}">
+                <a16:creationId xmlns:a16="http://schemas.microsoft.com/office/drawing/2014/main" id="{6062C245-4482-4321-ADED-054C694D42D8}"/>
+              </a:ext>
+            </a:extLst>
+          </p:cNvPr>
+          <p:cNvPicPr>
+            <a:picLocks noChangeAspect="1"/>
+          </p:cNvPicPr>
+          <p:nvPr/>
+        </p:nvPicPr>
+        <p:blipFill>
+          <a:blip r:embed="rId2"/>
+          <a:stretch>
+            <a:fillRect/>
+          </a:stretch>
+        </p:blipFill>
+        <p:spPr>
+          <a:xfrm>
+            <a:off x="272330" y="844409"/>
+            <a:ext cx="11735403" cy="5473981"/>
+          </a:xfrm>
+          <a:prstGeom prst="rect">
+            <a:avLst/>
+          </a:prstGeom>
+        </p:spPr>
+      </p:pic>
+    </p:spTree>
+    <p:extLst>
+      <p:ext uri="{BB962C8B-B14F-4D97-AF65-F5344CB8AC3E}">
+        <p14:creationId xmlns:p14="http://schemas.microsoft.com/office/powerpoint/2010/main" val="208418834"/>
+      </p:ext>
+    </p:extLst>
+  </p:cSld>
+  <p:clrMapOvr>
+    <a:masterClrMapping/>
+  </p:clrMapOvr>
+</p:sld>
+</file>
+
+<file path=ppt/slides/slide6.xml><?xml version="1.0" encoding="utf-8"?>
+<p:sld xmlns:a="http://schemas.openxmlformats.org/drawingml/2006/main" xmlns:r="http://schemas.openxmlformats.org/officeDocument/2006/relationships" xmlns:p="http://schemas.openxmlformats.org/presentationml/2006/main">
+  <p:cSld>
+    <p:spTree>
+      <p:nvGrpSpPr>
+        <p:cNvPr id="1" name=""/>
+        <p:cNvGrpSpPr/>
+        <p:nvPr/>
+      </p:nvGrpSpPr>
+      <p:grpSpPr>
+        <a:xfrm>
+          <a:off x="0" y="0"/>
+          <a:ext cx="0" cy="0"/>
+          <a:chOff x="0" y="0"/>
+          <a:chExt cx="0" cy="0"/>
+        </a:xfrm>
+      </p:grpSpPr>
       <p:grpSp>
         <p:nvGrpSpPr>
           <p:cNvPr id="44037" name="Group 5"/>
